--- a/images/gif.pptx
+++ b/images/gif.pptx
@@ -22577,6 +22577,59 @@
             <a:r>
               <a:rPr lang="en-US" dirty="0"/>
               <a:t>MIMIC-CXR</a:t>
+            </a:r>
+          </a:p>
+        </p:txBody>
+      </p:sp>
+      <p:sp>
+        <p:nvSpPr>
+          <p:cNvPr id="6" name="TextBox 5">
+            <a:extLst>
+              <a:ext uri="{FF2B5EF4-FFF2-40B4-BE49-F238E27FC236}">
+                <a16:creationId xmlns:a16="http://schemas.microsoft.com/office/drawing/2014/main" id="{99F4D2EF-5819-062E-EB9B-A10461A88A5D}"/>
+              </a:ext>
+            </a:extLst>
+          </p:cNvPr>
+          <p:cNvSpPr txBox="1"/>
+          <p:nvPr/>
+        </p:nvSpPr>
+        <p:spPr>
+          <a:xfrm>
+            <a:off x="1760561" y="215711"/>
+            <a:ext cx="9636493" cy="461665"/>
+          </a:xfrm>
+          <a:prstGeom prst="rect">
+            <a:avLst/>
+          </a:prstGeom>
+          <a:noFill/>
+        </p:spPr>
+        <p:txBody>
+          <a:bodyPr wrap="square">
+            <a:spAutoFit/>
+          </a:bodyPr>
+          <a:lstStyle/>
+          <a:p>
+            <a:pPr algn="l"/>
+            <a:r>
+              <a:rPr lang="en-US" sz="2400" b="1" i="0" dirty="0">
+                <a:effectLst/>
+                <a:latin typeface="-apple-system"/>
+              </a:rPr>
+              <a:t>Distilling </a:t>
+            </a:r>
+            <a:r>
+              <a:rPr lang="en-US" sz="2400" b="1" i="0" dirty="0" err="1">
+                <a:effectLst/>
+                <a:latin typeface="-apple-system"/>
+              </a:rPr>
+              <a:t>BlackBox</a:t>
+            </a:r>
+            <a:r>
+              <a:rPr lang="en-US" sz="2400" b="1" i="0" dirty="0">
+                <a:effectLst/>
+                <a:latin typeface="-apple-system"/>
+              </a:rPr>
+              <a:t> to Interpretable models for Efficient Transfer Learning</a:t>
             </a:r>
           </a:p>
         </p:txBody>
@@ -25702,6 +25755,59 @@
           </a:fontRef>
         </p:style>
       </p:cxnSp>
+      <p:sp>
+        <p:nvSpPr>
+          <p:cNvPr id="7" name="TextBox 6">
+            <a:extLst>
+              <a:ext uri="{FF2B5EF4-FFF2-40B4-BE49-F238E27FC236}">
+                <a16:creationId xmlns:a16="http://schemas.microsoft.com/office/drawing/2014/main" id="{984623DC-F562-7976-7132-BF698706FAEF}"/>
+              </a:ext>
+            </a:extLst>
+          </p:cNvPr>
+          <p:cNvSpPr txBox="1"/>
+          <p:nvPr/>
+        </p:nvSpPr>
+        <p:spPr>
+          <a:xfrm>
+            <a:off x="1760561" y="215711"/>
+            <a:ext cx="9636493" cy="461665"/>
+          </a:xfrm>
+          <a:prstGeom prst="rect">
+            <a:avLst/>
+          </a:prstGeom>
+          <a:noFill/>
+        </p:spPr>
+        <p:txBody>
+          <a:bodyPr wrap="square">
+            <a:spAutoFit/>
+          </a:bodyPr>
+          <a:lstStyle/>
+          <a:p>
+            <a:pPr algn="l"/>
+            <a:r>
+              <a:rPr lang="en-US" sz="2400" b="1" i="0" dirty="0">
+                <a:effectLst/>
+                <a:latin typeface="-apple-system"/>
+              </a:rPr>
+              <a:t>Distilling </a:t>
+            </a:r>
+            <a:r>
+              <a:rPr lang="en-US" sz="2400" b="1" i="0" dirty="0" err="1">
+                <a:effectLst/>
+                <a:latin typeface="-apple-system"/>
+              </a:rPr>
+              <a:t>BlackBox</a:t>
+            </a:r>
+            <a:r>
+              <a:rPr lang="en-US" sz="2400" b="1" i="0" dirty="0">
+                <a:effectLst/>
+                <a:latin typeface="-apple-system"/>
+              </a:rPr>
+              <a:t> to Interpretable models for Efficient Transfer Learning</a:t>
+            </a:r>
+          </a:p>
+        </p:txBody>
+      </p:sp>
     </p:spTree>
     <p:extLst>
       <p:ext uri="{BB962C8B-B14F-4D97-AF65-F5344CB8AC3E}">
@@ -26491,6 +26597,59 @@
           </a:fontRef>
         </p:style>
       </p:cxnSp>
+      <p:sp>
+        <p:nvSpPr>
+          <p:cNvPr id="7" name="TextBox 6">
+            <a:extLst>
+              <a:ext uri="{FF2B5EF4-FFF2-40B4-BE49-F238E27FC236}">
+                <a16:creationId xmlns:a16="http://schemas.microsoft.com/office/drawing/2014/main" id="{06A69B0F-EA4E-DF2D-62C6-07D20E26C01E}"/>
+              </a:ext>
+            </a:extLst>
+          </p:cNvPr>
+          <p:cNvSpPr txBox="1"/>
+          <p:nvPr/>
+        </p:nvSpPr>
+        <p:spPr>
+          <a:xfrm>
+            <a:off x="1760561" y="215711"/>
+            <a:ext cx="9636493" cy="461665"/>
+          </a:xfrm>
+          <a:prstGeom prst="rect">
+            <a:avLst/>
+          </a:prstGeom>
+          <a:noFill/>
+        </p:spPr>
+        <p:txBody>
+          <a:bodyPr wrap="square">
+            <a:spAutoFit/>
+          </a:bodyPr>
+          <a:lstStyle/>
+          <a:p>
+            <a:pPr algn="l"/>
+            <a:r>
+              <a:rPr lang="en-US" sz="2400" b="1" i="0" dirty="0">
+                <a:effectLst/>
+                <a:latin typeface="-apple-system"/>
+              </a:rPr>
+              <a:t>Distilling </a:t>
+            </a:r>
+            <a:r>
+              <a:rPr lang="en-US" sz="2400" b="1" i="0" dirty="0" err="1">
+                <a:effectLst/>
+                <a:latin typeface="-apple-system"/>
+              </a:rPr>
+              <a:t>BlackBox</a:t>
+            </a:r>
+            <a:r>
+              <a:rPr lang="en-US" sz="2400" b="1" i="0" dirty="0">
+                <a:effectLst/>
+                <a:latin typeface="-apple-system"/>
+              </a:rPr>
+              <a:t> to Interpretable models for Efficient Transfer Learning</a:t>
+            </a:r>
+          </a:p>
+        </p:txBody>
+      </p:sp>
     </p:spTree>
     <p:extLst>
       <p:ext uri="{BB962C8B-B14F-4D97-AF65-F5344CB8AC3E}">
@@ -27609,6 +27768,59 @@
           </a:prstGeom>
         </p:spPr>
       </p:pic>
+      <p:sp>
+        <p:nvSpPr>
+          <p:cNvPr id="11" name="TextBox 10">
+            <a:extLst>
+              <a:ext uri="{FF2B5EF4-FFF2-40B4-BE49-F238E27FC236}">
+                <a16:creationId xmlns:a16="http://schemas.microsoft.com/office/drawing/2014/main" id="{1CC6E9DB-54FB-97D5-D461-CA126ED11A22}"/>
+              </a:ext>
+            </a:extLst>
+          </p:cNvPr>
+          <p:cNvSpPr txBox="1"/>
+          <p:nvPr/>
+        </p:nvSpPr>
+        <p:spPr>
+          <a:xfrm>
+            <a:off x="1760561" y="224947"/>
+            <a:ext cx="9636493" cy="461665"/>
+          </a:xfrm>
+          <a:prstGeom prst="rect">
+            <a:avLst/>
+          </a:prstGeom>
+          <a:noFill/>
+        </p:spPr>
+        <p:txBody>
+          <a:bodyPr wrap="square">
+            <a:spAutoFit/>
+          </a:bodyPr>
+          <a:lstStyle/>
+          <a:p>
+            <a:pPr algn="l"/>
+            <a:r>
+              <a:rPr lang="en-US" sz="2400" b="1" i="0" dirty="0">
+                <a:effectLst/>
+                <a:latin typeface="-apple-system"/>
+              </a:rPr>
+              <a:t>Distilling </a:t>
+            </a:r>
+            <a:r>
+              <a:rPr lang="en-US" sz="2400" b="1" i="0" dirty="0" err="1">
+                <a:effectLst/>
+                <a:latin typeface="-apple-system"/>
+              </a:rPr>
+              <a:t>BlackBox</a:t>
+            </a:r>
+            <a:r>
+              <a:rPr lang="en-US" sz="2400" b="1" i="0" dirty="0">
+                <a:effectLst/>
+                <a:latin typeface="-apple-system"/>
+              </a:rPr>
+              <a:t> to Interpretable models for Efficient Transfer Learning</a:t>
+            </a:r>
+          </a:p>
+        </p:txBody>
+      </p:sp>
     </p:spTree>
     <p:extLst>
       <p:ext uri="{BB962C8B-B14F-4D97-AF65-F5344CB8AC3E}">
@@ -28980,6 +29192,59 @@
           </a:p>
         </p:txBody>
       </p:sp>
+      <p:sp>
+        <p:nvSpPr>
+          <p:cNvPr id="8" name="TextBox 7">
+            <a:extLst>
+              <a:ext uri="{FF2B5EF4-FFF2-40B4-BE49-F238E27FC236}">
+                <a16:creationId xmlns:a16="http://schemas.microsoft.com/office/drawing/2014/main" id="{D221D1AE-414E-A2B3-50B2-D4EB7591523A}"/>
+              </a:ext>
+            </a:extLst>
+          </p:cNvPr>
+          <p:cNvSpPr txBox="1"/>
+          <p:nvPr/>
+        </p:nvSpPr>
+        <p:spPr>
+          <a:xfrm>
+            <a:off x="1760561" y="215711"/>
+            <a:ext cx="9636493" cy="461665"/>
+          </a:xfrm>
+          <a:prstGeom prst="rect">
+            <a:avLst/>
+          </a:prstGeom>
+          <a:noFill/>
+        </p:spPr>
+        <p:txBody>
+          <a:bodyPr wrap="square">
+            <a:spAutoFit/>
+          </a:bodyPr>
+          <a:lstStyle/>
+          <a:p>
+            <a:pPr algn="l"/>
+            <a:r>
+              <a:rPr lang="en-US" sz="2400" b="1" i="0" dirty="0">
+                <a:effectLst/>
+                <a:latin typeface="-apple-system"/>
+              </a:rPr>
+              <a:t>Distilling </a:t>
+            </a:r>
+            <a:r>
+              <a:rPr lang="en-US" sz="2400" b="1" i="0" dirty="0" err="1">
+                <a:effectLst/>
+                <a:latin typeface="-apple-system"/>
+              </a:rPr>
+              <a:t>BlackBox</a:t>
+            </a:r>
+            <a:r>
+              <a:rPr lang="en-US" sz="2400" b="1" i="0" dirty="0">
+                <a:effectLst/>
+                <a:latin typeface="-apple-system"/>
+              </a:rPr>
+              <a:t> to Interpretable models for Efficient Transfer Learning</a:t>
+            </a:r>
+          </a:p>
+        </p:txBody>
+      </p:sp>
     </p:spTree>
     <p:extLst>
       <p:ext uri="{BB962C8B-B14F-4D97-AF65-F5344CB8AC3E}">
@@ -30588,6 +30853,59 @@
           </a:p>
         </p:txBody>
       </p:sp>
+      <p:sp>
+        <p:nvSpPr>
+          <p:cNvPr id="6" name="TextBox 5">
+            <a:extLst>
+              <a:ext uri="{FF2B5EF4-FFF2-40B4-BE49-F238E27FC236}">
+                <a16:creationId xmlns:a16="http://schemas.microsoft.com/office/drawing/2014/main" id="{29A42B02-62EB-6D76-A0FD-A69C8D4E24E0}"/>
+              </a:ext>
+            </a:extLst>
+          </p:cNvPr>
+          <p:cNvSpPr txBox="1"/>
+          <p:nvPr/>
+        </p:nvSpPr>
+        <p:spPr>
+          <a:xfrm>
+            <a:off x="1760561" y="215711"/>
+            <a:ext cx="9636493" cy="461665"/>
+          </a:xfrm>
+          <a:prstGeom prst="rect">
+            <a:avLst/>
+          </a:prstGeom>
+          <a:noFill/>
+        </p:spPr>
+        <p:txBody>
+          <a:bodyPr wrap="square">
+            <a:spAutoFit/>
+          </a:bodyPr>
+          <a:lstStyle/>
+          <a:p>
+            <a:pPr algn="l"/>
+            <a:r>
+              <a:rPr lang="en-US" sz="2400" b="1" i="0" dirty="0">
+                <a:effectLst/>
+                <a:latin typeface="-apple-system"/>
+              </a:rPr>
+              <a:t>Distilling </a:t>
+            </a:r>
+            <a:r>
+              <a:rPr lang="en-US" sz="2400" b="1" i="0" dirty="0" err="1">
+                <a:effectLst/>
+                <a:latin typeface="-apple-system"/>
+              </a:rPr>
+              <a:t>BlackBox</a:t>
+            </a:r>
+            <a:r>
+              <a:rPr lang="en-US" sz="2400" b="1" i="0" dirty="0">
+                <a:effectLst/>
+                <a:latin typeface="-apple-system"/>
+              </a:rPr>
+              <a:t> to Interpretable models for Efficient Transfer Learning</a:t>
+            </a:r>
+          </a:p>
+        </p:txBody>
+      </p:sp>
     </p:spTree>
     <p:extLst>
       <p:ext uri="{BB962C8B-B14F-4D97-AF65-F5344CB8AC3E}">
@@ -32616,6 +32934,59 @@
           </a:prstGeom>
         </p:spPr>
       </p:pic>
+      <p:sp>
+        <p:nvSpPr>
+          <p:cNvPr id="6" name="TextBox 5">
+            <a:extLst>
+              <a:ext uri="{FF2B5EF4-FFF2-40B4-BE49-F238E27FC236}">
+                <a16:creationId xmlns:a16="http://schemas.microsoft.com/office/drawing/2014/main" id="{92DDFD2A-DE0C-2002-4A48-C235044AF49A}"/>
+              </a:ext>
+            </a:extLst>
+          </p:cNvPr>
+          <p:cNvSpPr txBox="1"/>
+          <p:nvPr/>
+        </p:nvSpPr>
+        <p:spPr>
+          <a:xfrm>
+            <a:off x="1760561" y="215711"/>
+            <a:ext cx="9636493" cy="461665"/>
+          </a:xfrm>
+          <a:prstGeom prst="rect">
+            <a:avLst/>
+          </a:prstGeom>
+          <a:noFill/>
+        </p:spPr>
+        <p:txBody>
+          <a:bodyPr wrap="square">
+            <a:spAutoFit/>
+          </a:bodyPr>
+          <a:lstStyle/>
+          <a:p>
+            <a:pPr algn="l"/>
+            <a:r>
+              <a:rPr lang="en-US" sz="2400" b="1" i="0" dirty="0">
+                <a:effectLst/>
+                <a:latin typeface="-apple-system"/>
+              </a:rPr>
+              <a:t>Distilling </a:t>
+            </a:r>
+            <a:r>
+              <a:rPr lang="en-US" sz="2400" b="1" i="0" dirty="0" err="1">
+                <a:effectLst/>
+                <a:latin typeface="-apple-system"/>
+              </a:rPr>
+              <a:t>BlackBox</a:t>
+            </a:r>
+            <a:r>
+              <a:rPr lang="en-US" sz="2400" b="1" i="0" dirty="0">
+                <a:effectLst/>
+                <a:latin typeface="-apple-system"/>
+              </a:rPr>
+              <a:t> to Interpretable models for Efficient Transfer Learning</a:t>
+            </a:r>
+          </a:p>
+        </p:txBody>
+      </p:sp>
     </p:spTree>
     <p:extLst>
       <p:ext uri="{BB962C8B-B14F-4D97-AF65-F5344CB8AC3E}">
@@ -35103,6 +35474,59 @@
           </a:prstGeom>
         </p:spPr>
       </p:pic>
+      <p:sp>
+        <p:nvSpPr>
+          <p:cNvPr id="6" name="TextBox 5">
+            <a:extLst>
+              <a:ext uri="{FF2B5EF4-FFF2-40B4-BE49-F238E27FC236}">
+                <a16:creationId xmlns:a16="http://schemas.microsoft.com/office/drawing/2014/main" id="{0AF57DB6-5F23-A0BE-04BD-3D0CBD37852E}"/>
+              </a:ext>
+            </a:extLst>
+          </p:cNvPr>
+          <p:cNvSpPr txBox="1"/>
+          <p:nvPr/>
+        </p:nvSpPr>
+        <p:spPr>
+          <a:xfrm>
+            <a:off x="1760561" y="215711"/>
+            <a:ext cx="9636493" cy="461665"/>
+          </a:xfrm>
+          <a:prstGeom prst="rect">
+            <a:avLst/>
+          </a:prstGeom>
+          <a:noFill/>
+        </p:spPr>
+        <p:txBody>
+          <a:bodyPr wrap="square">
+            <a:spAutoFit/>
+          </a:bodyPr>
+          <a:lstStyle/>
+          <a:p>
+            <a:pPr algn="l"/>
+            <a:r>
+              <a:rPr lang="en-US" sz="2400" b="1" i="0" dirty="0">
+                <a:effectLst/>
+                <a:latin typeface="-apple-system"/>
+              </a:rPr>
+              <a:t>Distilling </a:t>
+            </a:r>
+            <a:r>
+              <a:rPr lang="en-US" sz="2400" b="1" i="0" dirty="0" err="1">
+                <a:effectLst/>
+                <a:latin typeface="-apple-system"/>
+              </a:rPr>
+              <a:t>BlackBox</a:t>
+            </a:r>
+            <a:r>
+              <a:rPr lang="en-US" sz="2400" b="1" i="0" dirty="0">
+                <a:effectLst/>
+                <a:latin typeface="-apple-system"/>
+              </a:rPr>
+              <a:t> to Interpretable models for Efficient Transfer Learning</a:t>
+            </a:r>
+          </a:p>
+        </p:txBody>
+      </p:sp>
     </p:spTree>
     <p:extLst>
       <p:ext uri="{BB962C8B-B14F-4D97-AF65-F5344CB8AC3E}">
@@ -37893,6 +38317,59 @@
           </a:prstGeom>
         </p:spPr>
       </p:pic>
+      <p:sp>
+        <p:nvSpPr>
+          <p:cNvPr id="7" name="TextBox 6">
+            <a:extLst>
+              <a:ext uri="{FF2B5EF4-FFF2-40B4-BE49-F238E27FC236}">
+                <a16:creationId xmlns:a16="http://schemas.microsoft.com/office/drawing/2014/main" id="{0FF457AD-388B-9305-18C5-33FA7FE39FDF}"/>
+              </a:ext>
+            </a:extLst>
+          </p:cNvPr>
+          <p:cNvSpPr txBox="1"/>
+          <p:nvPr/>
+        </p:nvSpPr>
+        <p:spPr>
+          <a:xfrm>
+            <a:off x="1760561" y="215711"/>
+            <a:ext cx="9636493" cy="461665"/>
+          </a:xfrm>
+          <a:prstGeom prst="rect">
+            <a:avLst/>
+          </a:prstGeom>
+          <a:noFill/>
+        </p:spPr>
+        <p:txBody>
+          <a:bodyPr wrap="square">
+            <a:spAutoFit/>
+          </a:bodyPr>
+          <a:lstStyle/>
+          <a:p>
+            <a:pPr algn="l"/>
+            <a:r>
+              <a:rPr lang="en-US" sz="2400" b="1" i="0" dirty="0">
+                <a:effectLst/>
+                <a:latin typeface="-apple-system"/>
+              </a:rPr>
+              <a:t>Distilling </a:t>
+            </a:r>
+            <a:r>
+              <a:rPr lang="en-US" sz="2400" b="1" i="0" dirty="0" err="1">
+                <a:effectLst/>
+                <a:latin typeface="-apple-system"/>
+              </a:rPr>
+              <a:t>BlackBox</a:t>
+            </a:r>
+            <a:r>
+              <a:rPr lang="en-US" sz="2400" b="1" i="0" dirty="0">
+                <a:effectLst/>
+                <a:latin typeface="-apple-system"/>
+              </a:rPr>
+              <a:t> to Interpretable models for Efficient Transfer Learning</a:t>
+            </a:r>
+          </a:p>
+        </p:txBody>
+      </p:sp>
     </p:spTree>
     <p:extLst>
       <p:ext uri="{BB962C8B-B14F-4D97-AF65-F5344CB8AC3E}">
@@ -40919,6 +41396,59 @@
           </a:fontRef>
         </p:style>
       </p:cxnSp>
+      <p:sp>
+        <p:nvSpPr>
+          <p:cNvPr id="7" name="TextBox 6">
+            <a:extLst>
+              <a:ext uri="{FF2B5EF4-FFF2-40B4-BE49-F238E27FC236}">
+                <a16:creationId xmlns:a16="http://schemas.microsoft.com/office/drawing/2014/main" id="{0865E293-BFEF-6F75-9CD0-4195ECE46C97}"/>
+              </a:ext>
+            </a:extLst>
+          </p:cNvPr>
+          <p:cNvSpPr txBox="1"/>
+          <p:nvPr/>
+        </p:nvSpPr>
+        <p:spPr>
+          <a:xfrm>
+            <a:off x="1760561" y="215711"/>
+            <a:ext cx="9636493" cy="461665"/>
+          </a:xfrm>
+          <a:prstGeom prst="rect">
+            <a:avLst/>
+          </a:prstGeom>
+          <a:noFill/>
+        </p:spPr>
+        <p:txBody>
+          <a:bodyPr wrap="square">
+            <a:spAutoFit/>
+          </a:bodyPr>
+          <a:lstStyle/>
+          <a:p>
+            <a:pPr algn="l"/>
+            <a:r>
+              <a:rPr lang="en-US" sz="2400" b="1" i="0" dirty="0">
+                <a:effectLst/>
+                <a:latin typeface="-apple-system"/>
+              </a:rPr>
+              <a:t>Distilling </a:t>
+            </a:r>
+            <a:r>
+              <a:rPr lang="en-US" sz="2400" b="1" i="0" dirty="0" err="1">
+                <a:effectLst/>
+                <a:latin typeface="-apple-system"/>
+              </a:rPr>
+              <a:t>BlackBox</a:t>
+            </a:r>
+            <a:r>
+              <a:rPr lang="en-US" sz="2400" b="1" i="0" dirty="0">
+                <a:effectLst/>
+                <a:latin typeface="-apple-system"/>
+              </a:rPr>
+              <a:t> to Interpretable models for Efficient Transfer Learning</a:t>
+            </a:r>
+          </a:p>
+        </p:txBody>
+      </p:sp>
     </p:spTree>
     <p:extLst>
       <p:ext uri="{BB962C8B-B14F-4D97-AF65-F5344CB8AC3E}">
